--- a/Cycle 09/Cycle09-Stroschein.pptx
+++ b/Cycle 09/Cycle09-Stroschein.pptx
@@ -4593,7 +4593,7 @@
         </p:nvSpPr>
         <p:spPr>
           <a:xfrm>
-            <a:off x="914399" y="5930986"/>
+            <a:off x="894734" y="5940819"/>
             <a:ext cx="11035585" cy="369332"/>
           </a:xfrm>
           <a:prstGeom prst="rect">
@@ -4608,7 +4608,7 @@
           <a:lstStyle/>
           <a:p>
             <a:r>
-              <a:rPr lang="en-US"/>
+              <a:rPr lang="en-US" dirty="0"/>
               <a:t>Source: https://</a:t>
             </a:r>
             <a:r>
